--- a/final.pptx
+++ b/final.pptx
@@ -7819,7 +7819,7 @@
         </p:blipFill>
         <p:spPr>
           <a:xfrm>
-            <a:off x="532626" y="1817959"/>
+            <a:off x="967524" y="2283153"/>
             <a:ext cx="4279900" cy="3378200"/>
           </a:xfrm>
           <a:prstGeom prst="rect">
